--- a/140627_フレームワーク・状態遷移.pptx
+++ b/140627_フレームワーク・状態遷移.pptx
@@ -198,6 +198,7 @@
           <a:p>
             <a:fld id="{E94AA655-1F0A-403D-A8F6-5C2DDB413A59}" type="datetimeFigureOut">
               <a:rPr kumimoji="1" lang="ja-JP" altLang="en-US" smtClean="0"/>
+              <a:pPr/>
               <a:t>2014/6/27</a:t>
             </a:fld>
             <a:endParaRPr kumimoji="1" lang="ja-JP" altLang="en-US"/>
@@ -391,6 +392,7 @@
           <a:p>
             <a:fld id="{D54456AE-4C80-463A-99F8-B1AD1DD667DA}" type="slidenum">
               <a:rPr kumimoji="1" lang="ja-JP" altLang="en-US" smtClean="0"/>
+              <a:pPr/>
               <a:t>&lt;#&gt;</a:t>
             </a:fld>
             <a:endParaRPr kumimoji="1" lang="ja-JP" altLang="en-US"/>
@@ -676,6 +678,7 @@
           <a:p>
             <a:fld id="{FAB96A7F-5C94-46F3-B6EE-8574938DDEAA}" type="datetime1">
               <a:rPr kumimoji="1" lang="ja-JP" altLang="en-US" smtClean="0"/>
+              <a:pPr/>
               <a:t>2014/6/27</a:t>
             </a:fld>
             <a:endParaRPr kumimoji="1" lang="ja-JP" altLang="en-US"/>
@@ -882,6 +885,7 @@
           <a:p>
             <a:fld id="{477EBE9C-A5C4-4652-9B48-3C5D5C3D6731}" type="datetime1">
               <a:rPr kumimoji="1" lang="ja-JP" altLang="en-US" smtClean="0"/>
+              <a:pPr/>
               <a:t>2014/6/27</a:t>
             </a:fld>
             <a:endParaRPr kumimoji="1" lang="ja-JP" altLang="en-US"/>
@@ -1098,6 +1102,7 @@
           <a:p>
             <a:fld id="{596EB1E8-919D-4921-B848-4784C77541D5}" type="datetime1">
               <a:rPr kumimoji="1" lang="ja-JP" altLang="en-US" smtClean="0"/>
+              <a:pPr/>
               <a:t>2014/6/27</a:t>
             </a:fld>
             <a:endParaRPr kumimoji="1" lang="ja-JP" altLang="en-US"/>
@@ -1304,6 +1309,7 @@
           <a:p>
             <a:fld id="{F4460E1A-1A30-4074-A2F2-CE8351E9A5F5}" type="datetime1">
               <a:rPr kumimoji="1" lang="ja-JP" altLang="en-US" smtClean="0"/>
+              <a:pPr/>
               <a:t>2014/6/27</a:t>
             </a:fld>
             <a:endParaRPr kumimoji="1" lang="ja-JP" altLang="en-US"/>
@@ -1554,6 +1560,7 @@
           <a:p>
             <a:fld id="{456E4C58-646F-4B42-9F4E-608C16DE0DB3}" type="datetime1">
               <a:rPr kumimoji="1" lang="ja-JP" altLang="en-US" smtClean="0"/>
+              <a:pPr/>
               <a:t>2014/6/27</a:t>
             </a:fld>
             <a:endParaRPr kumimoji="1" lang="ja-JP" altLang="en-US"/>
@@ -1910,6 +1917,7 @@
           <a:p>
             <a:fld id="{076B8D24-954A-490F-9093-F7460719C2A5}" type="datetime1">
               <a:rPr kumimoji="1" lang="ja-JP" altLang="en-US" smtClean="0"/>
+              <a:pPr/>
               <a:t>2014/6/27</a:t>
             </a:fld>
             <a:endParaRPr kumimoji="1" lang="ja-JP" altLang="en-US"/>
@@ -2400,6 +2408,7 @@
           <a:p>
             <a:fld id="{C47AA253-F441-4BDF-825C-B3C1993007AE}" type="datetime1">
               <a:rPr kumimoji="1" lang="ja-JP" altLang="en-US" smtClean="0"/>
+              <a:pPr/>
               <a:t>2014/6/27</a:t>
             </a:fld>
             <a:endParaRPr kumimoji="1" lang="ja-JP" altLang="en-US"/>
@@ -2522,6 +2531,7 @@
           <a:p>
             <a:fld id="{D391EE40-6E2C-481C-9141-7BEB343AB67D}" type="datetime1">
               <a:rPr kumimoji="1" lang="ja-JP" altLang="en-US" smtClean="0"/>
+              <a:pPr/>
               <a:t>2014/6/27</a:t>
             </a:fld>
             <a:endParaRPr kumimoji="1" lang="ja-JP" altLang="en-US"/>
@@ -2621,6 +2631,7 @@
           <a:p>
             <a:fld id="{535D8FF7-70DC-48B4-B09B-F6BA2B35C94F}" type="datetime1">
               <a:rPr kumimoji="1" lang="ja-JP" altLang="en-US" smtClean="0"/>
+              <a:pPr/>
               <a:t>2014/6/27</a:t>
             </a:fld>
             <a:endParaRPr kumimoji="1" lang="ja-JP" altLang="en-US"/>
@@ -2934,6 +2945,7 @@
           <a:p>
             <a:fld id="{6B079879-DCA7-485B-AD8E-9B57E3727A6A}" type="datetime1">
               <a:rPr kumimoji="1" lang="ja-JP" altLang="en-US" smtClean="0"/>
+              <a:pPr/>
               <a:t>2014/6/27</a:t>
             </a:fld>
             <a:endParaRPr kumimoji="1" lang="ja-JP" altLang="en-US"/>
@@ -3191,6 +3203,7 @@
           <a:p>
             <a:fld id="{EF76DF2C-8DC8-4A9E-83B7-4357D23B77F3}" type="datetime1">
               <a:rPr kumimoji="1" lang="ja-JP" altLang="en-US" smtClean="0"/>
+              <a:pPr/>
               <a:t>2014/6/27</a:t>
             </a:fld>
             <a:endParaRPr kumimoji="1" lang="ja-JP" altLang="en-US"/>
@@ -3440,6 +3453,7 @@
           <a:p>
             <a:fld id="{78D22BBE-A64C-4FE5-A2CB-6B66041230FB}" type="datetime1">
               <a:rPr kumimoji="1" lang="ja-JP" altLang="en-US" smtClean="0"/>
+              <a:pPr/>
               <a:t>2014/6/27</a:t>
             </a:fld>
             <a:endParaRPr kumimoji="1" lang="ja-JP" altLang="en-US"/>
@@ -3917,6 +3931,13 @@
   <p:clrMapOvr>
     <a:masterClrMapping/>
   </p:clrMapOvr>
+  <p:timing>
+    <p:tnLst>
+      <p:par>
+        <p:cTn id="1" dur="indefinite" restart="never" nodeType="tmRoot"/>
+      </p:par>
+    </p:tnLst>
+  </p:timing>
 </p:sld>
 </file>
 
@@ -4026,7 +4047,6 @@
               <a:rPr lang="en-US" altLang="ja-JP" dirty="0" smtClean="0"/>
               <a:t>)</a:t>
             </a:r>
-            <a:endParaRPr lang="en-US" altLang="ja-JP" dirty="0" smtClean="0"/>
           </a:p>
           <a:p>
             <a:pPr marL="914400" lvl="1" indent="-514350"/>
@@ -4094,6 +4114,13 @@
   <p:clrMapOvr>
     <a:masterClrMapping/>
   </p:clrMapOvr>
+  <p:timing>
+    <p:tnLst>
+      <p:par>
+        <p:cTn id="1" dur="indefinite" restart="never" nodeType="tmRoot"/>
+      </p:par>
+    </p:tnLst>
+  </p:timing>
 </p:sld>
 </file>
 
@@ -4267,11 +4294,7 @@
             </a:r>
             <a:r>
               <a:rPr lang="ja-JP" altLang="en-US" dirty="0" smtClean="0"/>
-              <a:t>厳密なタイミングを守ることに向いていない</a:t>
-            </a:r>
-            <a:r>
-              <a:rPr lang="ja-JP" altLang="en-US" dirty="0" smtClean="0"/>
-              <a:t>ため</a:t>
+              <a:t>厳密なタイミングを守ることに向いていないため</a:t>
             </a:r>
             <a:r>
               <a:rPr kumimoji="1" lang="ja-JP" altLang="en-US" dirty="0" smtClean="0"/>
@@ -4291,15 +4314,7 @@
             <a:pPr lvl="2"/>
             <a:r>
               <a:rPr lang="ja-JP" altLang="en-US" dirty="0" smtClean="0"/>
-              <a:t>シングルタスク時代と同様に、メインループを作成し、同期待ちの時間</a:t>
-            </a:r>
-            <a:r>
-              <a:rPr lang="ja-JP" altLang="en-US" dirty="0" smtClean="0"/>
-              <a:t>で</a:t>
-            </a:r>
-            <a:r>
-              <a:rPr lang="ja-JP" altLang="en-US" dirty="0" smtClean="0"/>
-              <a:t>他の処理を行うことで、マルチタスクを実現しつつ、安定したフレームレートを確保。</a:t>
+              <a:t>シングルタスク時代と同様に、メインループを作成し、同期待ちの時間で他の処理を行うことで、マルチタスクを実現しつつ、安定したフレームレートを確保。</a:t>
             </a:r>
             <a:endParaRPr lang="en-US" altLang="ja-JP" dirty="0" smtClean="0"/>
           </a:p>
@@ -4343,11 +4358,7 @@
             <a:pPr lvl="2"/>
             <a:r>
               <a:rPr lang="ja-JP" altLang="en-US" dirty="0" smtClean="0"/>
-              <a:t>上記</a:t>
-            </a:r>
-            <a:r>
-              <a:rPr lang="ja-JP" altLang="en-US" dirty="0" smtClean="0"/>
-              <a:t>にエディタや物理エンジン、アニメーションなど多様な処理を統合して、マルチプラットフォームへの対応も目指したものが</a:t>
+              <a:t>上記にエディタや物理エンジン、アニメーションなど多様な処理を統合して、マルチプラットフォームへの対応も目指したものが</a:t>
             </a:r>
             <a:r>
               <a:rPr lang="en-US" altLang="ja-JP" dirty="0" smtClean="0"/>
@@ -4397,6 +4408,13 @@
   <p:clrMapOvr>
     <a:masterClrMapping/>
   </p:clrMapOvr>
+  <p:timing>
+    <p:tnLst>
+      <p:par>
+        <p:cTn id="1" dur="indefinite" restart="never" nodeType="tmRoot"/>
+      </p:par>
+    </p:tnLst>
+  </p:timing>
 </p:sld>
 </file>
 
@@ -4635,11 +4653,7 @@
             </a:pPr>
             <a:r>
               <a:rPr lang="ja-JP" altLang="en-US" dirty="0" smtClean="0"/>
-              <a:t>画面</a:t>
-            </a:r>
-            <a:r>
-              <a:rPr lang="ja-JP" altLang="en-US" dirty="0" smtClean="0"/>
-              <a:t>切り替え、音声再生</a:t>
+              <a:t>画面切り替え、音声再生</a:t>
             </a:r>
             <a:r>
               <a:rPr lang="en-US" altLang="ja-JP" dirty="0" smtClean="0"/>
@@ -4694,7 +4708,6 @@
               <a:rPr lang="en-US" altLang="ja-JP" dirty="0" smtClean="0"/>
               <a:t>]</a:t>
             </a:r>
-            <a:endParaRPr lang="en-US" altLang="ja-JP" dirty="0" smtClean="0"/>
           </a:p>
           <a:p>
             <a:pPr marL="914400" lvl="1" indent="-514350">
@@ -4870,6 +4883,13 @@
   <p:clrMapOvr>
     <a:masterClrMapping/>
   </p:clrMapOvr>
+  <p:timing>
+    <p:tnLst>
+      <p:par>
+        <p:cTn id="1" dur="indefinite" restart="never" nodeType="tmRoot"/>
+      </p:par>
+    </p:tnLst>
+  </p:timing>
 </p:sld>
 </file>
 
@@ -4962,23 +4982,7 @@
             </a:pPr>
             <a:r>
               <a:rPr kumimoji="1" lang="ja-JP" altLang="en-US" dirty="0" smtClean="0"/>
-              <a:t>タイトル</a:t>
-            </a:r>
-            <a:r>
-              <a:rPr kumimoji="1" lang="ja-JP" altLang="en-US" dirty="0" smtClean="0"/>
-              <a:t>画面とか、ゲーム中とかを、状態とする</a:t>
-            </a:r>
-            <a:r>
-              <a:rPr kumimoji="1" lang="ja-JP" altLang="en-US" dirty="0" smtClean="0"/>
-              <a:t>→画面レイアウトや入力</a:t>
-            </a:r>
-            <a:r>
-              <a:rPr kumimoji="1" lang="ja-JP" altLang="en-US" dirty="0" smtClean="0"/>
-              <a:t>方法</a:t>
-            </a:r>
-            <a:r>
-              <a:rPr kumimoji="1" lang="ja-JP" altLang="en-US" dirty="0" smtClean="0"/>
-              <a:t>が変わる。</a:t>
+              <a:t>タイトル画面とか、ゲーム中とかを、状態とする→画面レイアウトや入力方法が変わる。</a:t>
             </a:r>
             <a:endParaRPr kumimoji="1" lang="en-US" altLang="ja-JP" dirty="0" smtClean="0"/>
           </a:p>
@@ -4997,19 +5001,7 @@
             </a:r>
             <a:r>
               <a:rPr lang="ja-JP" altLang="en-US" dirty="0" smtClean="0"/>
-              <a:t>」</a:t>
-            </a:r>
-            <a:r>
-              <a:rPr lang="ja-JP" altLang="en-US" dirty="0" smtClean="0"/>
-              <a:t>や</a:t>
-            </a:r>
-            <a:r>
-              <a:rPr lang="ja-JP" altLang="en-US" dirty="0" smtClean="0"/>
-              <a:t>「</a:t>
-            </a:r>
-            <a:r>
-              <a:rPr lang="ja-JP" altLang="en-US" dirty="0" smtClean="0"/>
-              <a:t>レベル</a:t>
+              <a:t>」や「レベル</a:t>
             </a:r>
             <a:r>
               <a:rPr lang="en-US" altLang="ja-JP" dirty="0" smtClean="0"/>
@@ -5109,6 +5101,13 @@
   <p:clrMapOvr>
     <a:masterClrMapping/>
   </p:clrMapOvr>
+  <p:timing>
+    <p:tnLst>
+      <p:par>
+        <p:cTn id="1" dur="indefinite" restart="never" nodeType="tmRoot"/>
+      </p:par>
+    </p:tnLst>
+  </p:timing>
 </p:sld>
 </file>
 
@@ -5548,6 +5547,13 @@
   <p:clrMapOvr>
     <a:masterClrMapping/>
   </p:clrMapOvr>
+  <p:timing>
+    <p:tnLst>
+      <p:par>
+        <p:cTn id="1" dur="indefinite" restart="never" nodeType="tmRoot"/>
+      </p:par>
+    </p:tnLst>
+  </p:timing>
 </p:sld>
 </file>
 
@@ -5976,6 +5982,13 @@
   <p:clrMapOvr>
     <a:masterClrMapping/>
   </p:clrMapOvr>
+  <p:timing>
+    <p:tnLst>
+      <p:par>
+        <p:cTn id="1" dur="indefinite" restart="never" nodeType="tmRoot"/>
+      </p:par>
+    </p:tnLst>
+  </p:timing>
 </p:sld>
 </file>
 

--- a/140627_フレームワーク・状態遷移.pptx
+++ b/140627_フレームワーク・状態遷移.pptx
@@ -5,7 +5,7 @@
     <p:sldMasterId id="2147483648" r:id="rId1"/>
   </p:sldMasterIdLst>
   <p:notesMasterIdLst>
-    <p:notesMasterId r:id="rId9"/>
+    <p:notesMasterId r:id="rId10"/>
   </p:notesMasterIdLst>
   <p:sldIdLst>
     <p:sldId id="262" r:id="rId2"/>
@@ -15,6 +15,7 @@
     <p:sldId id="266" r:id="rId6"/>
     <p:sldId id="260" r:id="rId7"/>
     <p:sldId id="261" r:id="rId8"/>
+    <p:sldId id="267" r:id="rId9"/>
   </p:sldIdLst>
   <p:sldSz cx="9144000" cy="6858000" type="screen4x3"/>
   <p:notesSz cx="6858000" cy="9144000"/>
@@ -5947,6 +5948,188 @@
           </a:p>
           <a:p>
             <a:endParaRPr kumimoji="1" lang="ja-JP" altLang="en-US"/>
+          </a:p>
+        </p:txBody>
+      </p:sp>
+      <p:sp>
+        <p:nvSpPr>
+          <p:cNvPr id="6" name="フッター プレースホルダ 5"/>
+          <p:cNvSpPr>
+            <a:spLocks noGrp="1"/>
+          </p:cNvSpPr>
+          <p:nvPr>
+            <p:ph type="ftr" sz="quarter" idx="11"/>
+          </p:nvPr>
+        </p:nvSpPr>
+        <p:spPr/>
+        <p:txBody>
+          <a:bodyPr/>
+          <a:lstStyle/>
+          <a:p>
+            <a:r>
+              <a:rPr kumimoji="1" lang="en-US" altLang="ja-JP" smtClean="0"/>
+              <a:t>(C)2014 </a:t>
+            </a:r>
+            <a:r>
+              <a:rPr kumimoji="1" lang="ja-JP" altLang="en-US" smtClean="0"/>
+              <a:t>田中　雄</a:t>
+            </a:r>
+            <a:endParaRPr kumimoji="1" lang="ja-JP" altLang="en-US"/>
+          </a:p>
+        </p:txBody>
+      </p:sp>
+    </p:spTree>
+  </p:cSld>
+  <p:clrMapOvr>
+    <a:masterClrMapping/>
+  </p:clrMapOvr>
+  <p:timing>
+    <p:tnLst>
+      <p:par>
+        <p:cTn id="1" dur="indefinite" restart="never" nodeType="tmRoot"/>
+      </p:par>
+    </p:tnLst>
+  </p:timing>
+</p:sld>
+</file>
+
+<file path=ppt/slides/slide8.xml><?xml version="1.0" encoding="utf-8"?>
+<p:sld xmlns:a="http://schemas.openxmlformats.org/drawingml/2006/main" xmlns:r="http://schemas.openxmlformats.org/officeDocument/2006/relationships" xmlns:p="http://schemas.openxmlformats.org/presentationml/2006/main">
+  <p:cSld>
+    <p:spTree>
+      <p:nvGrpSpPr>
+        <p:cNvPr id="1" name=""/>
+        <p:cNvGrpSpPr/>
+        <p:nvPr/>
+      </p:nvGrpSpPr>
+      <p:grpSpPr>
+        <a:xfrm>
+          <a:off x="0" y="0"/>
+          <a:ext cx="0" cy="0"/>
+          <a:chOff x="0" y="0"/>
+          <a:chExt cx="0" cy="0"/>
+        </a:xfrm>
+      </p:grpSpPr>
+      <p:sp>
+        <p:nvSpPr>
+          <p:cNvPr id="4" name="タイトル 3"/>
+          <p:cNvSpPr>
+            <a:spLocks noGrp="1"/>
+          </p:cNvSpPr>
+          <p:nvPr>
+            <p:ph type="title"/>
+          </p:nvPr>
+        </p:nvSpPr>
+        <p:spPr>
+          <a:xfrm>
+            <a:off x="467544" y="0"/>
+            <a:ext cx="8229600" cy="836712"/>
+          </a:xfrm>
+        </p:spPr>
+        <p:txBody>
+          <a:bodyPr/>
+          <a:lstStyle/>
+          <a:p>
+            <a:r>
+              <a:rPr kumimoji="1" lang="en-US" altLang="ja-JP" dirty="0" smtClean="0"/>
+              <a:t>C#</a:t>
+            </a:r>
+            <a:r>
+              <a:rPr kumimoji="1" lang="ja-JP" altLang="en-US" dirty="0" smtClean="0"/>
+              <a:t>に実装</a:t>
+            </a:r>
+            <a:endParaRPr kumimoji="1" lang="ja-JP" altLang="en-US" dirty="0"/>
+          </a:p>
+        </p:txBody>
+      </p:sp>
+      <p:sp>
+        <p:nvSpPr>
+          <p:cNvPr id="5" name="コンテンツ プレースホルダ 4"/>
+          <p:cNvSpPr>
+            <a:spLocks noGrp="1"/>
+          </p:cNvSpPr>
+          <p:nvPr>
+            <p:ph idx="1"/>
+          </p:nvPr>
+        </p:nvSpPr>
+        <p:spPr>
+          <a:xfrm>
+            <a:off x="457200" y="764704"/>
+            <a:ext cx="8229600" cy="5760640"/>
+          </a:xfrm>
+        </p:spPr>
+        <p:txBody>
+          <a:bodyPr>
+            <a:normAutofit/>
+          </a:bodyPr>
+          <a:lstStyle/>
+          <a:p>
+            <a:pPr marL="514350" indent="-514350"/>
+            <a:r>
+              <a:rPr kumimoji="1" lang="ja-JP" altLang="en-US" dirty="0" smtClean="0"/>
+              <a:t>処理をタイマーの中にまとめ</a:t>
+            </a:r>
+            <a:r>
+              <a:rPr lang="ja-JP" altLang="en-US" dirty="0" smtClean="0"/>
+              <a:t>る</a:t>
+            </a:r>
+            <a:endParaRPr lang="en-US" altLang="ja-JP" dirty="0" smtClean="0"/>
+          </a:p>
+          <a:p>
+            <a:pPr marL="914400" lvl="1" indent="-514350"/>
+            <a:r>
+              <a:rPr kumimoji="1" lang="ja-JP" altLang="en-US" dirty="0" smtClean="0"/>
+              <a:t>初期化</a:t>
+            </a:r>
+            <a:r>
+              <a:rPr kumimoji="1" lang="en-US" altLang="ja-JP" dirty="0" smtClean="0"/>
+              <a:t>(init)</a:t>
+            </a:r>
+          </a:p>
+          <a:p>
+            <a:pPr marL="914400" lvl="1" indent="-514350"/>
+            <a:r>
+              <a:rPr lang="ja-JP" altLang="en-US" dirty="0" smtClean="0"/>
+              <a:t>入力の更新</a:t>
+            </a:r>
+            <a:r>
+              <a:rPr lang="en-US" altLang="ja-JP" dirty="0" smtClean="0"/>
+              <a:t>(</a:t>
+            </a:r>
+            <a:r>
+              <a:rPr lang="en-US" altLang="ja-JP" dirty="0" smtClean="0"/>
+              <a:t>input)</a:t>
+            </a:r>
+            <a:endParaRPr lang="en-US" altLang="ja-JP" dirty="0" smtClean="0"/>
+          </a:p>
+          <a:p>
+            <a:pPr marL="914400" lvl="1" indent="-514350"/>
+            <a:r>
+              <a:rPr kumimoji="1" lang="ja-JP" altLang="en-US" dirty="0" smtClean="0"/>
+              <a:t>更新</a:t>
+            </a:r>
+            <a:r>
+              <a:rPr kumimoji="1" lang="ja-JP" altLang="en-US" dirty="0" smtClean="0"/>
+              <a:t>処理</a:t>
+            </a:r>
+            <a:r>
+              <a:rPr kumimoji="1" lang="en-US" altLang="ja-JP" smtClean="0"/>
+              <a:t>(update)</a:t>
+            </a:r>
+            <a:endParaRPr lang="en-US" altLang="ja-JP" dirty="0" smtClean="0"/>
+          </a:p>
+          <a:p>
+            <a:pPr marL="514350" indent="-514350">
+              <a:buNone/>
+            </a:pPr>
+            <a:r>
+              <a:rPr lang="ja-JP" altLang="en-US" dirty="0" smtClean="0"/>
+              <a:t>＊ルーチン内はなるべくシンプルに！</a:t>
+            </a:r>
+            <a:endParaRPr kumimoji="1" lang="en-US" altLang="ja-JP" dirty="0" smtClean="0"/>
+          </a:p>
+          <a:p>
+            <a:endParaRPr kumimoji="1" lang="ja-JP" altLang="en-US" dirty="0"/>
           </a:p>
         </p:txBody>
       </p:sp>
